--- a/ThemisPresentation.pptx
+++ b/ThemisPresentation.pptx
@@ -117,6 +117,35 @@
     </p:ext>
   </p:extLst>
 </p:presentation>
+</file>
+
+<file path=ppt/changesInfos/changesInfo1.xml><?xml version="1.0" encoding="utf-8"?>
+<pc:chgInfo xmlns:a="http://schemas.openxmlformats.org/drawingml/2006/main" xmlns:r="http://schemas.openxmlformats.org/officeDocument/2006/relationships" xmlns:ac="http://schemas.microsoft.com/office/drawing/2013/main/command" xmlns:pc="http://schemas.microsoft.com/office/powerpoint/2013/main/command">
+  <pc:docChgLst>
+    <pc:chgData name="Monica Steinberg" userId="1cef812bc0620a73" providerId="LiveId" clId="{5E0F567F-4A37-4A19-8DB8-8336783E2255}"/>
+    <pc:docChg chg="modSld">
+      <pc:chgData name="Monica Steinberg" userId="1cef812bc0620a73" providerId="LiveId" clId="{5E0F567F-4A37-4A19-8DB8-8336783E2255}" dt="2023-09-17T13:04:37.169" v="4" actId="20577"/>
+      <pc:docMkLst>
+        <pc:docMk/>
+      </pc:docMkLst>
+      <pc:sldChg chg="modSp mod">
+        <pc:chgData name="Monica Steinberg" userId="1cef812bc0620a73" providerId="LiveId" clId="{5E0F567F-4A37-4A19-8DB8-8336783E2255}" dt="2023-09-17T13:04:37.169" v="4" actId="20577"/>
+        <pc:sldMkLst>
+          <pc:docMk/>
+          <pc:sldMk cId="554617834" sldId="263"/>
+        </pc:sldMkLst>
+        <pc:spChg chg="mod">
+          <ac:chgData name="Monica Steinberg" userId="1cef812bc0620a73" providerId="LiveId" clId="{5E0F567F-4A37-4A19-8DB8-8336783E2255}" dt="2023-09-17T13:04:37.169" v="4" actId="20577"/>
+          <ac:spMkLst>
+            <pc:docMk/>
+            <pc:sldMk cId="554617834" sldId="263"/>
+            <ac:spMk id="4" creationId="{BFAD4507-AC02-B247-9CDE-DE2130EBC33C}"/>
+          </ac:spMkLst>
+        </pc:spChg>
+      </pc:sldChg>
+    </pc:docChg>
+  </pc:docChgLst>
+</pc:chgInfo>
 </file>
 
 <file path=ppt/slideLayouts/slideLayout1.xml><?xml version="1.0" encoding="utf-8"?>
@@ -4070,13 +4099,13 @@
   <p:clrMapOvr>
     <a:masterClrMapping/>
   </p:clrMapOvr>
-  <mc:AlternateContent xmlns:mc="http://schemas.openxmlformats.org/markup-compatibility/2006">
-    <mc:Choice xmlns:p159="http://schemas.microsoft.com/office/powerpoint/2015/09/main" Requires="p159">
+  <mc:AlternateContent xmlns:mc="http://schemas.openxmlformats.org/markup-compatibility/2006" xmlns:p159="http://schemas.microsoft.com/office/powerpoint/2015/09/main">
+    <mc:Choice Requires="p159">
       <p:transition spd="slow">
         <p159:morph option="byObject"/>
       </p:transition>
     </mc:Choice>
-    <mc:Fallback>
+    <mc:Fallback xmlns="">
       <p:transition spd="slow">
         <p:fade/>
       </p:transition>
@@ -4450,13 +4479,13 @@
   <p:clrMapOvr>
     <a:masterClrMapping/>
   </p:clrMapOvr>
-  <mc:AlternateContent xmlns:mc="http://schemas.openxmlformats.org/markup-compatibility/2006">
-    <mc:Choice xmlns:p159="http://schemas.microsoft.com/office/powerpoint/2015/09/main" Requires="p159">
+  <mc:AlternateContent xmlns:mc="http://schemas.openxmlformats.org/markup-compatibility/2006" xmlns:p159="http://schemas.microsoft.com/office/powerpoint/2015/09/main">
+    <mc:Choice Requires="p159">
       <p:transition spd="slow">
         <p159:morph option="byObject"/>
       </p:transition>
     </mc:Choice>
-    <mc:Fallback>
+    <mc:Fallback xmlns="">
       <p:transition spd="slow">
         <p:fade/>
       </p:transition>
@@ -4572,13 +4601,13 @@
   <p:clrMapOvr>
     <a:masterClrMapping/>
   </p:clrMapOvr>
-  <mc:AlternateContent xmlns:mc="http://schemas.openxmlformats.org/markup-compatibility/2006">
-    <mc:Choice xmlns:p159="http://schemas.microsoft.com/office/powerpoint/2015/09/main" Requires="p159">
+  <mc:AlternateContent xmlns:mc="http://schemas.openxmlformats.org/markup-compatibility/2006" xmlns:p159="http://schemas.microsoft.com/office/powerpoint/2015/09/main">
+    <mc:Choice Requires="p159">
       <p:transition spd="slow">
         <p159:morph option="byObject"/>
       </p:transition>
     </mc:Choice>
-    <mc:Fallback>
+    <mc:Fallback xmlns="">
       <p:transition spd="slow">
         <p:fade/>
       </p:transition>
@@ -4833,13 +4862,13 @@
   <p:clrMapOvr>
     <a:masterClrMapping/>
   </p:clrMapOvr>
-  <mc:AlternateContent xmlns:mc="http://schemas.openxmlformats.org/markup-compatibility/2006">
-    <mc:Choice xmlns:p159="http://schemas.microsoft.com/office/powerpoint/2015/09/main" Requires="p159">
+  <mc:AlternateContent xmlns:mc="http://schemas.openxmlformats.org/markup-compatibility/2006" xmlns:p159="http://schemas.microsoft.com/office/powerpoint/2015/09/main">
+    <mc:Choice Requires="p159">
       <p:transition spd="slow">
         <p159:morph option="byObject"/>
       </p:transition>
     </mc:Choice>
-    <mc:Fallback>
+    <mc:Fallback xmlns="">
       <p:transition spd="slow">
         <p:fade/>
       </p:transition>
@@ -5022,7 +5051,19 @@
               <a:rPr lang="en-US" sz="2400" b="1" dirty="0">
                 <a:latin typeface="Söhne"/>
               </a:rPr>
-              <a:t>Recognize images, videos, and voice messages that a generated using deep fake technology</a:t>
+              <a:t>Recognize images, videos, and voice messages </a:t>
+            </a:r>
+            <a:r>
+              <a:rPr lang="en-US" sz="2400" b="1">
+                <a:latin typeface="Söhne"/>
+              </a:rPr>
+              <a:t>that were </a:t>
+            </a:r>
+            <a:r>
+              <a:rPr lang="en-US" sz="2400" b="1" dirty="0">
+                <a:latin typeface="Söhne"/>
+              </a:rPr>
+              <a:t>generated using deep fake technology</a:t>
             </a:r>
           </a:p>
           <a:p>
@@ -5088,13 +5129,13 @@
   <p:clrMapOvr>
     <a:masterClrMapping/>
   </p:clrMapOvr>
-  <mc:AlternateContent xmlns:mc="http://schemas.openxmlformats.org/markup-compatibility/2006">
-    <mc:Choice xmlns:p159="http://schemas.microsoft.com/office/powerpoint/2015/09/main" Requires="p159">
+  <mc:AlternateContent xmlns:mc="http://schemas.openxmlformats.org/markup-compatibility/2006" xmlns:p159="http://schemas.microsoft.com/office/powerpoint/2015/09/main">
+    <mc:Choice Requires="p159">
       <p:transition spd="slow">
         <p159:morph option="byObject"/>
       </p:transition>
     </mc:Choice>
-    <mc:Fallback>
+    <mc:Fallback xmlns="">
       <p:transition spd="slow">
         <p:fade/>
       </p:transition>
